--- a/Projektimi i CNC.pptx
+++ b/Projektimi i CNC.pptx
@@ -338,7 +338,7 @@
           <a:p>
             <a:fld id="{90F002B7-A30E-4826-A3AE-84E10ECF00E4}" type="datetimeFigureOut">
               <a:rPr lang="en-US" smtClean="0"/>
-              <a:t>4/29/2024</a:t>
+              <a:t>9/25/2025</a:t>
             </a:fld>
             <a:endParaRPr lang="en-US"/>
           </a:p>
@@ -620,7 +620,7 @@
           <a:p>
             <a:fld id="{90F002B7-A30E-4826-A3AE-84E10ECF00E4}" type="datetimeFigureOut">
               <a:rPr lang="en-US" smtClean="0"/>
-              <a:t>4/29/2024</a:t>
+              <a:t>9/25/2025</a:t>
             </a:fld>
             <a:endParaRPr lang="en-US"/>
           </a:p>
@@ -903,7 +903,7 @@
           <a:p>
             <a:fld id="{90F002B7-A30E-4826-A3AE-84E10ECF00E4}" type="datetimeFigureOut">
               <a:rPr lang="en-US" smtClean="0"/>
-              <a:t>4/29/2024</a:t>
+              <a:t>9/25/2025</a:t>
             </a:fld>
             <a:endParaRPr lang="en-US"/>
           </a:p>
@@ -1114,7 +1114,7 @@
           <a:p>
             <a:fld id="{90F002B7-A30E-4826-A3AE-84E10ECF00E4}" type="datetimeFigureOut">
               <a:rPr lang="en-US" smtClean="0"/>
-              <a:t>4/29/2024</a:t>
+              <a:t>9/25/2025</a:t>
             </a:fld>
             <a:endParaRPr lang="en-US"/>
           </a:p>
@@ -1565,33 +1565,12 @@
             </a:br>
             <a:r>
               <a:rPr lang="en-US" sz="1800" b="1" i="1" dirty="0" err="1"/>
-              <a:t>Punoi:Marsildo</a:t>
+              <a:t>Punoi:Begzon</a:t>
             </a:r>
             <a:r>
               <a:rPr lang="en-US" sz="1800" b="1" i="1" dirty="0"/>
-              <a:t> </a:t>
-            </a:r>
-            <a:r>
-              <a:rPr lang="en-US" sz="1800" b="1" i="1" dirty="0" err="1"/>
-              <a:t>Gjoka,Kledi</a:t>
-            </a:r>
-            <a:r>
-              <a:rPr lang="en-US" sz="1800" b="1" i="1" dirty="0"/>
-              <a:t> </a:t>
-            </a:r>
-            <a:r>
-              <a:rPr lang="en-US" sz="1800" b="1" i="1" dirty="0" err="1"/>
-              <a:t>Cela,Ensi</a:t>
-            </a:r>
-            <a:r>
-              <a:rPr lang="en-US" sz="1800" b="1" i="1" dirty="0"/>
-              <a:t> </a:t>
-            </a:r>
-            <a:r>
-              <a:rPr lang="en-US" sz="1800" b="1" i="1" dirty="0" err="1"/>
-              <a:t>Shtembari</a:t>
-            </a:r>
-            <a:endParaRPr lang="en-US" sz="1800" b="1" i="1" dirty="0"/>
+              <a:t> Brahimaj</a:t>
+            </a:r>
           </a:p>
         </p:txBody>
       </p:sp>
@@ -4113,7 +4092,7 @@
         </p:spPr>
         <p:txBody>
           <a:bodyPr>
-            <a:normAutofit fontScale="70000" lnSpcReduction="20000"/>
+            <a:normAutofit fontScale="62500" lnSpcReduction="20000"/>
           </a:bodyPr>
           <a:lstStyle/>
           <a:p>
@@ -4235,7 +4214,415 @@
             </a:r>
             <a:r>
               <a:rPr lang="en-US" i="1" dirty="0" err="1"/>
-              <a:t>trur</a:t>
+              <a:t>trurin</a:t>
+            </a:r>
+            <a:r>
+              <a:rPr lang="en-US" i="1" dirty="0"/>
+              <a:t> e </a:t>
+            </a:r>
+            <a:r>
+              <a:rPr lang="en-US" i="1" dirty="0" err="1"/>
+              <a:t>kësaj</a:t>
+            </a:r>
+            <a:r>
+              <a:rPr lang="en-US" i="1" dirty="0"/>
+              <a:t> </a:t>
+            </a:r>
+            <a:r>
+              <a:rPr lang="en-US" i="1" dirty="0" err="1"/>
+              <a:t>makine</a:t>
+            </a:r>
+            <a:r>
+              <a:rPr lang="en-US" i="1" dirty="0"/>
+              <a:t> </a:t>
+            </a:r>
+            <a:r>
+              <a:rPr lang="en-US" i="1" dirty="0" err="1"/>
+              <a:t>dhe</a:t>
+            </a:r>
+            <a:r>
+              <a:rPr lang="en-US" i="1" dirty="0"/>
+              <a:t> </a:t>
+            </a:r>
+            <a:r>
+              <a:rPr lang="en-US" i="1" dirty="0" err="1"/>
+              <a:t>mbrojtësin</a:t>
+            </a:r>
+            <a:r>
+              <a:rPr lang="en-US" i="1" dirty="0"/>
+              <a:t> e </a:t>
+            </a:r>
+            <a:r>
+              <a:rPr lang="en-US" i="1" dirty="0" err="1"/>
+              <a:t>motorit</a:t>
+            </a:r>
+            <a:r>
+              <a:rPr lang="en-US" i="1" dirty="0"/>
+              <a:t> L293D. </a:t>
+            </a:r>
+            <a:r>
+              <a:rPr lang="en-US" i="1" dirty="0" err="1"/>
+              <a:t>Është</a:t>
+            </a:r>
+            <a:r>
+              <a:rPr lang="en-US" i="1" dirty="0"/>
+              <a:t> </a:t>
+            </a:r>
+            <a:r>
+              <a:rPr lang="en-US" i="1" dirty="0" err="1"/>
+              <a:t>shumë</a:t>
+            </a:r>
+            <a:r>
+              <a:rPr lang="en-US" i="1" dirty="0"/>
+              <a:t> </a:t>
+            </a:r>
+            <a:r>
+              <a:rPr lang="en-US" i="1" dirty="0" err="1"/>
+              <a:t>mahnitëse</a:t>
+            </a:r>
+            <a:r>
+              <a:rPr lang="en-US" i="1" dirty="0"/>
+              <a:t> </a:t>
+            </a:r>
+            <a:r>
+              <a:rPr lang="en-US" i="1" dirty="0" err="1"/>
+              <a:t>të</a:t>
+            </a:r>
+            <a:r>
+              <a:rPr lang="en-US" i="1" dirty="0"/>
+              <a:t> </a:t>
+            </a:r>
+            <a:r>
+              <a:rPr lang="en-US" i="1" dirty="0" err="1"/>
+              <a:t>shikosh</a:t>
+            </a:r>
+            <a:r>
+              <a:rPr lang="en-US" i="1" dirty="0"/>
+              <a:t> </a:t>
+            </a:r>
+            <a:r>
+              <a:rPr lang="en-US" i="1" dirty="0" err="1"/>
+              <a:t>si</a:t>
+            </a:r>
+            <a:r>
+              <a:rPr lang="en-US" i="1" dirty="0"/>
+              <a:t> </a:t>
+            </a:r>
+            <a:r>
+              <a:rPr lang="en-US" i="1" dirty="0" err="1"/>
+              <a:t>kjo</a:t>
+            </a:r>
+            <a:r>
+              <a:rPr lang="en-US" i="1" dirty="0"/>
+              <a:t> </a:t>
+            </a:r>
+            <a:r>
+              <a:rPr lang="en-US" i="1" dirty="0" err="1"/>
+              <a:t>makinë</a:t>
+            </a:r>
+            <a:r>
+              <a:rPr lang="en-US" i="1" dirty="0"/>
+              <a:t> e </a:t>
+            </a:r>
+            <a:r>
+              <a:rPr lang="en-US" i="1" dirty="0" err="1"/>
+              <a:t>vogël</a:t>
+            </a:r>
+            <a:r>
+              <a:rPr lang="en-US" i="1" dirty="0"/>
+              <a:t> </a:t>
+            </a:r>
+            <a:r>
+              <a:rPr lang="en-US" i="1" dirty="0" err="1"/>
+              <a:t>vizaton</a:t>
+            </a:r>
+            <a:r>
+              <a:rPr lang="en-US" i="1" dirty="0"/>
+              <a:t> </a:t>
+            </a:r>
+            <a:r>
+              <a:rPr lang="en-US" i="1" dirty="0" err="1"/>
+              <a:t>imazhe</a:t>
+            </a:r>
+            <a:r>
+              <a:rPr lang="en-US" i="1" dirty="0"/>
+              <a:t> </a:t>
+            </a:r>
+            <a:r>
+              <a:rPr lang="en-US" i="1" dirty="0" err="1"/>
+              <a:t>në</a:t>
+            </a:r>
+            <a:r>
+              <a:rPr lang="en-US" i="1" dirty="0"/>
+              <a:t> </a:t>
+            </a:r>
+            <a:r>
+              <a:rPr lang="en-US" i="1" dirty="0" err="1"/>
+              <a:t>mënyrë</a:t>
+            </a:r>
+            <a:r>
+              <a:rPr lang="en-US" i="1" dirty="0"/>
+              <a:t> </a:t>
+            </a:r>
+            <a:r>
+              <a:rPr lang="en-US" i="1" dirty="0" err="1"/>
+              <a:t>kaq</a:t>
+            </a:r>
+            <a:r>
+              <a:rPr lang="en-US" i="1" dirty="0"/>
+              <a:t> </a:t>
+            </a:r>
+            <a:r>
+              <a:rPr lang="en-US" i="1" dirty="0" err="1"/>
+              <a:t>të</a:t>
+            </a:r>
+            <a:r>
+              <a:rPr lang="en-US" i="1" dirty="0"/>
+              <a:t> </a:t>
+            </a:r>
+            <a:r>
+              <a:rPr lang="en-US" i="1" dirty="0" err="1"/>
+              <a:t>bukur</a:t>
+            </a:r>
+            <a:r>
+              <a:rPr lang="en-US" i="1" dirty="0"/>
+              <a:t> me </a:t>
+            </a:r>
+            <a:r>
+              <a:rPr lang="en-US" i="1" dirty="0" err="1"/>
+              <a:t>një</a:t>
+            </a:r>
+            <a:r>
+              <a:rPr lang="en-US" i="1" dirty="0"/>
+              <a:t> </a:t>
+            </a:r>
+            <a:r>
+              <a:rPr lang="en-US" i="1" dirty="0" err="1"/>
+              <a:t>precizitet</a:t>
+            </a:r>
+            <a:r>
+              <a:rPr lang="en-US" i="1" dirty="0"/>
+              <a:t> </a:t>
+            </a:r>
+            <a:r>
+              <a:rPr lang="en-US" i="1" dirty="0" err="1"/>
+              <a:t>të</a:t>
+            </a:r>
+            <a:r>
+              <a:rPr lang="en-US" i="1" dirty="0"/>
+              <a:t> </a:t>
+            </a:r>
+            <a:r>
+              <a:rPr lang="en-US" i="1" dirty="0" err="1"/>
+              <a:t>mirë</a:t>
+            </a:r>
+            <a:r>
+              <a:rPr lang="en-US" i="1" dirty="0"/>
+              <a:t>. </a:t>
+            </a:r>
+            <a:r>
+              <a:rPr lang="en-US" i="1" dirty="0" err="1"/>
+              <a:t>Thjesht</a:t>
+            </a:r>
+            <a:r>
+              <a:rPr lang="en-US" i="1" dirty="0"/>
+              <a:t>, </a:t>
+            </a:r>
+            <a:r>
+              <a:rPr lang="en-US" i="1" dirty="0" err="1"/>
+              <a:t>çdo</a:t>
+            </a:r>
+            <a:r>
+              <a:rPr lang="en-US" i="1" dirty="0"/>
+              <a:t> </a:t>
+            </a:r>
+            <a:r>
+              <a:rPr lang="en-US" i="1" dirty="0" err="1"/>
+              <a:t>imazh</a:t>
+            </a:r>
+            <a:r>
+              <a:rPr lang="en-US" i="1" dirty="0"/>
+              <a:t> </a:t>
+            </a:r>
+            <a:r>
+              <a:rPr lang="en-US" i="1" dirty="0" err="1"/>
+              <a:t>që</a:t>
+            </a:r>
+            <a:r>
+              <a:rPr lang="en-US" i="1" dirty="0"/>
+              <a:t> </a:t>
+            </a:r>
+            <a:r>
+              <a:rPr lang="en-US" i="1" dirty="0" err="1"/>
+              <a:t>dëshiron</a:t>
+            </a:r>
+            <a:r>
+              <a:rPr lang="en-US" i="1" dirty="0"/>
+              <a:t> </a:t>
+            </a:r>
+            <a:r>
+              <a:rPr lang="en-US" i="1" dirty="0" err="1"/>
+              <a:t>të</a:t>
+            </a:r>
+            <a:r>
+              <a:rPr lang="en-US" i="1" dirty="0"/>
+              <a:t> </a:t>
+            </a:r>
+            <a:r>
+              <a:rPr lang="en-US" i="1" dirty="0" err="1"/>
+              <a:t>vizatohet</a:t>
+            </a:r>
+            <a:r>
+              <a:rPr lang="en-US" i="1" dirty="0"/>
+              <a:t> me </a:t>
+            </a:r>
+            <a:r>
+              <a:rPr lang="en-US" i="1" dirty="0" err="1"/>
+              <a:t>këtë</a:t>
+            </a:r>
+            <a:r>
+              <a:rPr lang="en-US" i="1" dirty="0"/>
+              <a:t> </a:t>
+            </a:r>
+            <a:r>
+              <a:rPr lang="en-US" i="1" dirty="0" err="1"/>
+              <a:t>makinë</a:t>
+            </a:r>
+            <a:r>
+              <a:rPr lang="en-US" i="1" dirty="0"/>
+              <a:t> </a:t>
+            </a:r>
+            <a:r>
+              <a:rPr lang="en-US" i="1" dirty="0" err="1"/>
+              <a:t>duhet</a:t>
+            </a:r>
+            <a:r>
+              <a:rPr lang="en-US" i="1" dirty="0"/>
+              <a:t> </a:t>
+            </a:r>
+            <a:r>
+              <a:rPr lang="en-US" i="1" dirty="0" err="1"/>
+              <a:t>të</a:t>
+            </a:r>
+            <a:r>
+              <a:rPr lang="en-US" i="1" dirty="0"/>
+              <a:t> </a:t>
+            </a:r>
+            <a:r>
+              <a:rPr lang="en-US" i="1" dirty="0" err="1"/>
+              <a:t>konvertohet</a:t>
+            </a:r>
+            <a:r>
+              <a:rPr lang="en-US" i="1" dirty="0"/>
+              <a:t> </a:t>
+            </a:r>
+            <a:r>
+              <a:rPr lang="en-US" i="1" dirty="0" err="1"/>
+              <a:t>në</a:t>
+            </a:r>
+            <a:r>
+              <a:rPr lang="en-US" i="1" dirty="0"/>
+              <a:t> </a:t>
+            </a:r>
+            <a:r>
+              <a:rPr lang="en-US" i="1" dirty="0" err="1"/>
+              <a:t>një</a:t>
+            </a:r>
+            <a:r>
+              <a:rPr lang="en-US" i="1" dirty="0"/>
+              <a:t> </a:t>
+            </a:r>
+            <a:r>
+              <a:rPr lang="en-US" i="1" dirty="0" err="1"/>
+              <a:t>skedar</a:t>
+            </a:r>
+            <a:r>
+              <a:rPr lang="en-US" i="1" dirty="0"/>
+              <a:t> </a:t>
+            </a:r>
+            <a:r>
+              <a:rPr lang="en-US" i="1" dirty="0" err="1"/>
+              <a:t>Gcode</a:t>
+            </a:r>
+            <a:r>
+              <a:rPr lang="en-US" i="1" dirty="0"/>
+              <a:t> duke </a:t>
+            </a:r>
+            <a:r>
+              <a:rPr lang="en-US" i="1" dirty="0" err="1"/>
+              <a:t>përdorur</a:t>
+            </a:r>
+            <a:r>
+              <a:rPr lang="en-US" i="1" dirty="0"/>
+              <a:t> </a:t>
+            </a:r>
+            <a:r>
+              <a:rPr lang="en-US" i="1" dirty="0" err="1"/>
+              <a:t>softuerin</a:t>
+            </a:r>
+            <a:r>
+              <a:rPr lang="en-US" i="1" dirty="0"/>
+              <a:t> INKSCAPE. Ky stream </a:t>
+            </a:r>
+            <a:r>
+              <a:rPr lang="en-US" i="1" dirty="0" err="1"/>
+              <a:t>Gcode</a:t>
+            </a:r>
+            <a:r>
+              <a:rPr lang="en-US" i="1" dirty="0"/>
+              <a:t> </a:t>
+            </a:r>
+            <a:r>
+              <a:rPr lang="en-US" i="1" dirty="0" err="1"/>
+              <a:t>në</a:t>
+            </a:r>
+            <a:r>
+              <a:rPr lang="en-US" i="1" dirty="0"/>
+              <a:t> Arduino </a:t>
+            </a:r>
+            <a:r>
+              <a:rPr lang="en-US" i="1" dirty="0" err="1"/>
+              <a:t>përmes</a:t>
+            </a:r>
+            <a:r>
+              <a:rPr lang="en-US" i="1" dirty="0"/>
+              <a:t> </a:t>
+            </a:r>
+            <a:r>
+              <a:rPr lang="en-US" i="1" dirty="0" err="1"/>
+              <a:t>programit</a:t>
+            </a:r>
+            <a:r>
+              <a:rPr lang="en-US" i="1" dirty="0"/>
+              <a:t> </a:t>
+            </a:r>
+            <a:r>
+              <a:rPr lang="en-US" i="1" dirty="0" err="1"/>
+              <a:t>të</a:t>
+            </a:r>
+            <a:r>
+              <a:rPr lang="en-US" i="1" dirty="0"/>
+              <a:t> </a:t>
+            </a:r>
+            <a:r>
+              <a:rPr lang="en-US" i="1" dirty="0" err="1"/>
+              <a:t>kontrollit</a:t>
+            </a:r>
+            <a:r>
+              <a:rPr lang="en-US" i="1" dirty="0"/>
+              <a:t> GCTRL. </a:t>
+            </a:r>
+            <a:r>
+              <a:rPr lang="en-US" i="1" dirty="0" err="1"/>
+              <a:t>Dhe</a:t>
+            </a:r>
+            <a:r>
+              <a:rPr lang="en-US" i="1" dirty="0"/>
+              <a:t> </a:t>
+            </a:r>
+            <a:r>
+              <a:rPr lang="en-US" i="1" dirty="0" err="1"/>
+              <a:t>mbrojtësi</a:t>
             </a:r>
             <a:r>
               <a:rPr lang="en-US" i="1" dirty="0"/>
@@ -4251,15 +4638,63 @@
             </a:r>
             <a:r>
               <a:rPr lang="en-US" i="1" dirty="0" err="1"/>
-              <a:t>kësaj</a:t>
-            </a:r>
-            <a:r>
-              <a:rPr lang="en-US" i="1" dirty="0"/>
-              <a:t> </a:t>
-            </a:r>
-            <a:r>
-              <a:rPr lang="en-US" i="1" dirty="0" err="1"/>
-              <a:t>makine</a:t>
+              <a:t>motorit</a:t>
+            </a:r>
+            <a:r>
+              <a:rPr lang="en-US" i="1" dirty="0"/>
+              <a:t> L293D </a:t>
+            </a:r>
+            <a:r>
+              <a:rPr lang="en-US" i="1" dirty="0" err="1"/>
+              <a:t>udhëzon</a:t>
+            </a:r>
+            <a:r>
+              <a:rPr lang="en-US" i="1" dirty="0"/>
+              <a:t> </a:t>
+            </a:r>
+            <a:r>
+              <a:rPr lang="en-US" i="1" dirty="0" err="1"/>
+              <a:t>motorin</a:t>
+            </a:r>
+            <a:r>
+              <a:rPr lang="en-US" i="1" dirty="0"/>
+              <a:t> e </a:t>
+            </a:r>
+            <a:r>
+              <a:rPr lang="en-US" i="1" dirty="0" err="1"/>
+              <a:t>hapësirave</a:t>
+            </a:r>
+            <a:r>
+              <a:rPr lang="en-US" i="1" dirty="0"/>
+              <a:t> se </a:t>
+            </a:r>
+            <a:r>
+              <a:rPr lang="en-US" i="1" dirty="0" err="1"/>
+              <a:t>si</a:t>
+            </a:r>
+            <a:r>
+              <a:rPr lang="en-US" i="1" dirty="0"/>
+              <a:t> </a:t>
+            </a:r>
+            <a:r>
+              <a:rPr lang="en-US" i="1" dirty="0" err="1"/>
+              <a:t>të</a:t>
+            </a:r>
+            <a:r>
+              <a:rPr lang="en-US" i="1" dirty="0"/>
+              <a:t> </a:t>
+            </a:r>
+            <a:r>
+              <a:rPr lang="en-US" i="1" dirty="0" err="1"/>
+              <a:t>lëvizë</a:t>
+            </a:r>
+            <a:r>
+              <a:rPr lang="en-US" i="1" dirty="0"/>
+              <a:t>, </a:t>
+            </a:r>
+            <a:r>
+              <a:rPr lang="en-US" i="1" dirty="0" err="1"/>
+              <a:t>kombinojë</a:t>
             </a:r>
             <a:r>
               <a:rPr lang="en-US" i="1" dirty="0"/>
@@ -4275,7 +4710,15 @@
             </a:r>
             <a:r>
               <a:rPr lang="en-US" i="1" dirty="0" err="1"/>
-              <a:t>mbrojtësin</a:t>
+              <a:t>sinkronizojë</a:t>
+            </a:r>
+            <a:r>
+              <a:rPr lang="en-US" i="1" dirty="0"/>
+              <a:t> </a:t>
+            </a:r>
+            <a:r>
+              <a:rPr lang="en-US" i="1" dirty="0" err="1"/>
+              <a:t>lëvizjen</a:t>
             </a:r>
             <a:r>
               <a:rPr lang="en-US" i="1" dirty="0"/>
@@ -4283,31 +4726,39 @@
             </a:r>
             <a:r>
               <a:rPr lang="en-US" i="1" dirty="0" err="1"/>
-              <a:t>motorit</a:t>
-            </a:r>
-            <a:r>
-              <a:rPr lang="en-US" i="1" dirty="0"/>
-              <a:t> L293D. </a:t>
-            </a:r>
-            <a:r>
-              <a:rPr lang="en-US" i="1" dirty="0" err="1"/>
-              <a:t>Është</a:t>
-            </a:r>
-            <a:r>
-              <a:rPr lang="en-US" i="1" dirty="0"/>
-              <a:t> </a:t>
-            </a:r>
-            <a:r>
-              <a:rPr lang="en-US" i="1" dirty="0" err="1"/>
-              <a:t>shumë</a:t>
-            </a:r>
-            <a:r>
-              <a:rPr lang="en-US" i="1" dirty="0"/>
-              <a:t> </a:t>
-            </a:r>
-            <a:r>
-              <a:rPr lang="en-US" i="1" dirty="0" err="1"/>
-              <a:t>mahnitëse</a:t>
+              <a:t>hapësirave</a:t>
+            </a:r>
+            <a:r>
+              <a:rPr lang="en-US" i="1" dirty="0"/>
+              <a:t> </a:t>
+            </a:r>
+            <a:r>
+              <a:rPr lang="en-US" i="1" dirty="0" err="1"/>
+              <a:t>përfundon</a:t>
+            </a:r>
+            <a:r>
+              <a:rPr lang="en-US" i="1" dirty="0"/>
+              <a:t> </a:t>
+            </a:r>
+            <a:r>
+              <a:rPr lang="en-US" i="1" dirty="0" err="1"/>
+              <a:t>në</a:t>
+            </a:r>
+            <a:r>
+              <a:rPr lang="en-US" i="1" dirty="0"/>
+              <a:t> </a:t>
+            </a:r>
+            <a:r>
+              <a:rPr lang="en-US" i="1" dirty="0" err="1"/>
+              <a:t>një</a:t>
+            </a:r>
+            <a:r>
+              <a:rPr lang="en-US" i="1" dirty="0"/>
+              <a:t> </a:t>
+            </a:r>
+            <a:r>
+              <a:rPr lang="en-US" i="1" dirty="0" err="1"/>
+              <a:t>imazh</a:t>
             </a:r>
             <a:r>
               <a:rPr lang="en-US" i="1" dirty="0"/>
@@ -4323,23 +4774,15 @@
             </a:r>
             <a:r>
               <a:rPr lang="en-US" i="1" dirty="0" err="1"/>
-              <a:t>shikosh</a:t>
-            </a:r>
-            <a:r>
-              <a:rPr lang="en-US" i="1" dirty="0"/>
-              <a:t> </a:t>
-            </a:r>
-            <a:r>
-              <a:rPr lang="en-US" i="1" dirty="0" err="1"/>
-              <a:t>si</a:t>
-            </a:r>
-            <a:r>
-              <a:rPr lang="en-US" i="1" dirty="0"/>
-              <a:t> </a:t>
-            </a:r>
-            <a:r>
-              <a:rPr lang="en-US" i="1" dirty="0" err="1"/>
-              <a:t>kjo</a:t>
+              <a:t>mirë</a:t>
+            </a:r>
+            <a:r>
+              <a:rPr lang="en-US" i="1" dirty="0"/>
+              <a:t>. </a:t>
+            </a:r>
+            <a:r>
+              <a:rPr lang="en-US" i="1" dirty="0" err="1"/>
+              <a:t>Kjo</a:t>
             </a:r>
             <a:r>
               <a:rPr lang="en-US" i="1" dirty="0"/>
@@ -4351,27 +4794,67 @@
             </a:r>
             <a:r>
               <a:rPr lang="en-US" i="1" dirty="0"/>
-              <a:t> e </a:t>
-            </a:r>
-            <a:r>
-              <a:rPr lang="en-US" i="1" dirty="0" err="1"/>
-              <a:t>vogël</a:t>
-            </a:r>
-            <a:r>
-              <a:rPr lang="en-US" i="1" dirty="0"/>
-              <a:t> </a:t>
-            </a:r>
-            <a:r>
-              <a:rPr lang="en-US" i="1" dirty="0" err="1"/>
-              <a:t>vizaton</a:t>
-            </a:r>
-            <a:r>
-              <a:rPr lang="en-US" i="1" dirty="0"/>
-              <a:t> </a:t>
-            </a:r>
-            <a:r>
-              <a:rPr lang="en-US" i="1" dirty="0" err="1"/>
-              <a:t>imazhe</a:t>
+              <a:t> ka </a:t>
+            </a:r>
+            <a:r>
+              <a:rPr lang="en-US" i="1" dirty="0" err="1"/>
+              <a:t>dy</a:t>
+            </a:r>
+            <a:r>
+              <a:rPr lang="en-US" i="1" dirty="0"/>
+              <a:t> </a:t>
+            </a:r>
+            <a:r>
+              <a:rPr lang="en-US" i="1" dirty="0" err="1"/>
+              <a:t>aksa</a:t>
+            </a:r>
+            <a:r>
+              <a:rPr lang="en-US" i="1" dirty="0"/>
+              <a:t>, X-AXIS </a:t>
+            </a:r>
+            <a:r>
+              <a:rPr lang="en-US" i="1" dirty="0" err="1"/>
+              <a:t>dhe</a:t>
+            </a:r>
+            <a:r>
+              <a:rPr lang="en-US" i="1" dirty="0"/>
+              <a:t> Y-AXIS. </a:t>
+            </a:r>
+            <a:r>
+              <a:rPr lang="en-US" i="1" dirty="0" err="1"/>
+              <a:t>Aksi</a:t>
+            </a:r>
+            <a:r>
+              <a:rPr lang="en-US" i="1" dirty="0"/>
+              <a:t> X </a:t>
+            </a:r>
+            <a:r>
+              <a:rPr lang="en-US" i="1" dirty="0" err="1"/>
+              <a:t>është</a:t>
+            </a:r>
+            <a:r>
+              <a:rPr lang="en-US" i="1" dirty="0"/>
+              <a:t> zona e </a:t>
+            </a:r>
+            <a:r>
+              <a:rPr lang="en-US" i="1" dirty="0" err="1"/>
+              <a:t>vizatimit</a:t>
+            </a:r>
+            <a:r>
+              <a:rPr lang="en-US" i="1" dirty="0"/>
+              <a:t>, </a:t>
+            </a:r>
+            <a:r>
+              <a:rPr lang="en-US" i="1" dirty="0" err="1"/>
+              <a:t>letra</a:t>
+            </a:r>
+            <a:r>
+              <a:rPr lang="en-US" i="1" dirty="0"/>
+              <a:t> </a:t>
+            </a:r>
+            <a:r>
+              <a:rPr lang="en-US" i="1" dirty="0" err="1"/>
+              <a:t>vendoset</a:t>
             </a:r>
             <a:r>
               <a:rPr lang="en-US" i="1" dirty="0"/>
@@ -4387,531 +4870,11 @@
             </a:r>
             <a:r>
               <a:rPr lang="en-US" i="1" dirty="0" err="1"/>
-              <a:t>mënyrë</a:t>
-            </a:r>
-            <a:r>
-              <a:rPr lang="en-US" i="1" dirty="0"/>
-              <a:t> </a:t>
-            </a:r>
-            <a:r>
-              <a:rPr lang="en-US" i="1" dirty="0" err="1"/>
-              <a:t>kaq</a:t>
-            </a:r>
-            <a:r>
-              <a:rPr lang="en-US" i="1" dirty="0"/>
-              <a:t> </a:t>
-            </a:r>
-            <a:r>
-              <a:rPr lang="en-US" i="1" dirty="0" err="1"/>
-              <a:t>të</a:t>
-            </a:r>
-            <a:r>
-              <a:rPr lang="en-US" i="1" dirty="0"/>
-              <a:t> </a:t>
-            </a:r>
-            <a:r>
-              <a:rPr lang="en-US" i="1" dirty="0" err="1"/>
-              <a:t>bukur</a:t>
-            </a:r>
-            <a:r>
-              <a:rPr lang="en-US" i="1" dirty="0"/>
-              <a:t> me </a:t>
-            </a:r>
-            <a:r>
-              <a:rPr lang="en-US" i="1" dirty="0" err="1"/>
-              <a:t>një</a:t>
-            </a:r>
-            <a:r>
-              <a:rPr lang="en-US" i="1" dirty="0"/>
-              <a:t> </a:t>
-            </a:r>
-            <a:r>
-              <a:rPr lang="en-US" i="1" dirty="0" err="1"/>
-              <a:t>precizitet</a:t>
-            </a:r>
-            <a:r>
-              <a:rPr lang="en-US" i="1" dirty="0"/>
-              <a:t> </a:t>
-            </a:r>
-            <a:r>
-              <a:rPr lang="en-US" i="1" dirty="0" err="1"/>
-              <a:t>të</a:t>
-            </a:r>
-            <a:r>
-              <a:rPr lang="en-US" i="1" dirty="0"/>
-              <a:t> </a:t>
-            </a:r>
-            <a:r>
-              <a:rPr lang="en-US" i="1" dirty="0" err="1"/>
-              <a:t>mirë</a:t>
-            </a:r>
-            <a:r>
-              <a:rPr lang="en-US" i="1" dirty="0"/>
-              <a:t>. </a:t>
-            </a:r>
-            <a:r>
-              <a:rPr lang="en-US" i="1" dirty="0" err="1"/>
-              <a:t>Thjesht</a:t>
-            </a:r>
-            <a:r>
-              <a:rPr lang="en-US" i="1" dirty="0"/>
-              <a:t>, </a:t>
-            </a:r>
-            <a:r>
-              <a:rPr lang="en-US" i="1" dirty="0" err="1"/>
-              <a:t>çdo</a:t>
-            </a:r>
-            <a:r>
-              <a:rPr lang="en-US" i="1" dirty="0"/>
-              <a:t> </a:t>
-            </a:r>
-            <a:r>
-              <a:rPr lang="en-US" i="1" dirty="0" err="1"/>
-              <a:t>imazh</a:t>
-            </a:r>
-            <a:r>
-              <a:rPr lang="en-US" i="1" dirty="0"/>
-              <a:t> </a:t>
-            </a:r>
-            <a:r>
-              <a:rPr lang="en-US" i="1" dirty="0" err="1"/>
-              <a:t>që</a:t>
-            </a:r>
-            <a:r>
-              <a:rPr lang="en-US" i="1" dirty="0"/>
-              <a:t> </a:t>
-            </a:r>
-            <a:r>
-              <a:rPr lang="en-US" i="1" dirty="0" err="1"/>
-              <a:t>dëshiron</a:t>
-            </a:r>
-            <a:r>
-              <a:rPr lang="en-US" i="1" dirty="0"/>
-              <a:t> </a:t>
-            </a:r>
-            <a:r>
-              <a:rPr lang="en-US" i="1" dirty="0" err="1"/>
-              <a:t>të</a:t>
-            </a:r>
-            <a:r>
-              <a:rPr lang="en-US" i="1" dirty="0"/>
-              <a:t> </a:t>
-            </a:r>
-            <a:r>
-              <a:rPr lang="en-US" i="1" dirty="0" err="1"/>
-              <a:t>vizatohet</a:t>
-            </a:r>
-            <a:r>
-              <a:rPr lang="en-US" i="1" dirty="0"/>
-              <a:t> me </a:t>
-            </a:r>
-            <a:r>
-              <a:rPr lang="en-US" i="1" dirty="0" err="1"/>
-              <a:t>këtë</a:t>
-            </a:r>
-            <a:r>
-              <a:rPr lang="en-US" i="1" dirty="0"/>
-              <a:t> </a:t>
-            </a:r>
-            <a:r>
-              <a:rPr lang="en-US" i="1" dirty="0" err="1"/>
-              <a:t>makinë</a:t>
-            </a:r>
-            <a:r>
-              <a:rPr lang="en-US" i="1" dirty="0"/>
-              <a:t> </a:t>
-            </a:r>
-            <a:r>
-              <a:rPr lang="en-US" i="1" dirty="0" err="1"/>
-              <a:t>duhet</a:t>
-            </a:r>
-            <a:r>
-              <a:rPr lang="en-US" i="1" dirty="0"/>
-              <a:t> </a:t>
-            </a:r>
-            <a:r>
-              <a:rPr lang="en-US" i="1" dirty="0" err="1"/>
-              <a:t>të</a:t>
-            </a:r>
-            <a:r>
-              <a:rPr lang="en-US" i="1" dirty="0"/>
-              <a:t> </a:t>
-            </a:r>
-            <a:r>
-              <a:rPr lang="en-US" i="1" dirty="0" err="1"/>
-              <a:t>konvertohet</a:t>
-            </a:r>
-            <a:r>
-              <a:rPr lang="en-US" i="1" dirty="0"/>
-              <a:t> </a:t>
-            </a:r>
-            <a:r>
-              <a:rPr lang="en-US" i="1" dirty="0" err="1"/>
-              <a:t>në</a:t>
-            </a:r>
-            <a:r>
-              <a:rPr lang="en-US" i="1" dirty="0"/>
-              <a:t> </a:t>
-            </a:r>
-            <a:r>
-              <a:rPr lang="en-US" i="1" dirty="0" err="1"/>
-              <a:t>një</a:t>
-            </a:r>
-            <a:r>
-              <a:rPr lang="en-US" i="1" dirty="0"/>
-              <a:t> </a:t>
-            </a:r>
-            <a:r>
-              <a:rPr lang="en-US" i="1" dirty="0" err="1"/>
-              <a:t>skedar</a:t>
-            </a:r>
-            <a:r>
-              <a:rPr lang="en-US" i="1" dirty="0"/>
-              <a:t> </a:t>
-            </a:r>
-            <a:r>
-              <a:rPr lang="en-US" i="1" dirty="0" err="1"/>
-              <a:t>Gcode</a:t>
-            </a:r>
-            <a:r>
-              <a:rPr lang="en-US" i="1" dirty="0"/>
-              <a:t> duke </a:t>
-            </a:r>
-            <a:r>
-              <a:rPr lang="en-US" i="1" dirty="0" err="1"/>
-              <a:t>përdorur</a:t>
-            </a:r>
-            <a:r>
-              <a:rPr lang="en-US" i="1" dirty="0"/>
-              <a:t> </a:t>
-            </a:r>
-            <a:r>
-              <a:rPr lang="en-US" i="1" dirty="0" err="1"/>
-              <a:t>softuerin</a:t>
-            </a:r>
-            <a:r>
-              <a:rPr lang="en-US" i="1" dirty="0"/>
-              <a:t> INKSCAPE. Ky stream </a:t>
-            </a:r>
-            <a:r>
-              <a:rPr lang="en-US" i="1" dirty="0" err="1"/>
-              <a:t>Gcode</a:t>
-            </a:r>
-            <a:r>
-              <a:rPr lang="en-US" i="1" dirty="0"/>
-              <a:t> </a:t>
-            </a:r>
-            <a:r>
-              <a:rPr lang="en-US" i="1" dirty="0" err="1"/>
-              <a:t>në</a:t>
-            </a:r>
-            <a:r>
-              <a:rPr lang="en-US" i="1" dirty="0"/>
-              <a:t> Arduino </a:t>
-            </a:r>
-            <a:r>
-              <a:rPr lang="en-US" i="1" dirty="0" err="1"/>
-              <a:t>përmes</a:t>
-            </a:r>
-            <a:r>
-              <a:rPr lang="en-US" i="1" dirty="0"/>
-              <a:t> </a:t>
-            </a:r>
-            <a:r>
-              <a:rPr lang="en-US" i="1" dirty="0" err="1"/>
-              <a:t>programit</a:t>
-            </a:r>
-            <a:r>
-              <a:rPr lang="en-US" i="1" dirty="0"/>
-              <a:t> </a:t>
-            </a:r>
-            <a:r>
-              <a:rPr lang="en-US" i="1" dirty="0" err="1"/>
-              <a:t>të</a:t>
-            </a:r>
-            <a:r>
-              <a:rPr lang="en-US" i="1" dirty="0"/>
-              <a:t> </a:t>
-            </a:r>
-            <a:r>
-              <a:rPr lang="en-US" i="1" dirty="0" err="1"/>
-              <a:t>kontrollit</a:t>
-            </a:r>
-            <a:r>
-              <a:rPr lang="en-US" i="1" dirty="0"/>
-              <a:t> GCTRL. </a:t>
-            </a:r>
-            <a:r>
-              <a:rPr lang="en-US" i="1" dirty="0" err="1"/>
-              <a:t>Dhe</a:t>
-            </a:r>
-            <a:r>
-              <a:rPr lang="en-US" i="1" dirty="0"/>
-              <a:t> </a:t>
-            </a:r>
-            <a:r>
-              <a:rPr lang="en-US" i="1" dirty="0" err="1"/>
-              <a:t>mbrojtësi</a:t>
-            </a:r>
-            <a:r>
-              <a:rPr lang="en-US" i="1" dirty="0"/>
-              <a:t> </a:t>
-            </a:r>
-            <a:r>
-              <a:rPr lang="en-US" i="1" dirty="0" err="1"/>
-              <a:t>i</a:t>
-            </a:r>
-            <a:r>
-              <a:rPr lang="en-US" i="1" dirty="0"/>
-              <a:t> </a:t>
-            </a:r>
-            <a:r>
-              <a:rPr lang="en-US" i="1" dirty="0" err="1"/>
-              <a:t>motorit</a:t>
-            </a:r>
-            <a:r>
-              <a:rPr lang="en-US" i="1" dirty="0"/>
-              <a:t> L293D </a:t>
-            </a:r>
-            <a:r>
-              <a:rPr lang="en-US" i="1" dirty="0" err="1"/>
-              <a:t>udhëzon</a:t>
-            </a:r>
-            <a:r>
-              <a:rPr lang="en-US" i="1" dirty="0"/>
-              <a:t> </a:t>
-            </a:r>
-            <a:r>
-              <a:rPr lang="en-US" i="1" dirty="0" err="1"/>
-              <a:t>motorin</a:t>
-            </a:r>
-            <a:r>
-              <a:rPr lang="en-US" i="1" dirty="0"/>
-              <a:t> e </a:t>
-            </a:r>
-            <a:r>
-              <a:rPr lang="en-US" i="1" dirty="0" err="1"/>
-              <a:t>hapësirave</a:t>
-            </a:r>
-            <a:r>
-              <a:rPr lang="en-US" i="1" dirty="0"/>
-              <a:t> se </a:t>
-            </a:r>
-            <a:r>
-              <a:rPr lang="en-US" i="1" dirty="0" err="1"/>
-              <a:t>si</a:t>
-            </a:r>
-            <a:r>
-              <a:rPr lang="en-US" i="1" dirty="0"/>
-              <a:t> </a:t>
-            </a:r>
-            <a:r>
-              <a:rPr lang="en-US" i="1" dirty="0" err="1"/>
-              <a:t>të</a:t>
-            </a:r>
-            <a:r>
-              <a:rPr lang="en-US" i="1" dirty="0"/>
-              <a:t> </a:t>
-            </a:r>
-            <a:r>
-              <a:rPr lang="en-US" i="1" dirty="0" err="1"/>
-              <a:t>lëvizë</a:t>
-            </a:r>
-            <a:r>
-              <a:rPr lang="en-US" i="1" dirty="0"/>
-              <a:t>, </a:t>
-            </a:r>
-            <a:r>
-              <a:rPr lang="en-US" i="1" dirty="0" err="1"/>
-              <a:t>kombinojë</a:t>
-            </a:r>
-            <a:r>
-              <a:rPr lang="en-US" i="1" dirty="0"/>
-              <a:t> </a:t>
-            </a:r>
-            <a:r>
-              <a:rPr lang="en-US" i="1" dirty="0" err="1"/>
-              <a:t>dhe</a:t>
-            </a:r>
-            <a:r>
-              <a:rPr lang="en-US" i="1" dirty="0"/>
-              <a:t> </a:t>
-            </a:r>
-            <a:r>
-              <a:rPr lang="en-US" i="1" dirty="0" err="1"/>
-              <a:t>sinkronizojë</a:t>
-            </a:r>
-            <a:r>
-              <a:rPr lang="en-US" i="1" dirty="0"/>
-              <a:t> </a:t>
-            </a:r>
-            <a:r>
-              <a:rPr lang="en-US" i="1" dirty="0" err="1"/>
-              <a:t>lëvizjen</a:t>
-            </a:r>
-            <a:r>
-              <a:rPr lang="en-US" i="1" dirty="0"/>
-              <a:t> e </a:t>
-            </a:r>
-            <a:r>
-              <a:rPr lang="en-US" i="1" dirty="0" err="1"/>
-              <a:t>hapësirave</a:t>
-            </a:r>
-            <a:r>
-              <a:rPr lang="en-US" i="1" dirty="0"/>
-              <a:t> </a:t>
-            </a:r>
-            <a:r>
-              <a:rPr lang="en-US" i="1" dirty="0" err="1"/>
-              <a:t>përfundon</a:t>
-            </a:r>
-            <a:r>
-              <a:rPr lang="en-US" i="1" dirty="0"/>
-              <a:t> </a:t>
-            </a:r>
-            <a:r>
-              <a:rPr lang="en-US" i="1" dirty="0" err="1"/>
-              <a:t>në</a:t>
-            </a:r>
-            <a:r>
-              <a:rPr lang="en-US" i="1" dirty="0"/>
-              <a:t> </a:t>
-            </a:r>
-            <a:r>
-              <a:rPr lang="en-US" i="1" dirty="0" err="1"/>
-              <a:t>një</a:t>
-            </a:r>
-            <a:r>
-              <a:rPr lang="en-US" i="1" dirty="0"/>
-              <a:t> </a:t>
-            </a:r>
-            <a:r>
-              <a:rPr lang="en-US" i="1" dirty="0" err="1"/>
-              <a:t>imazh</a:t>
-            </a:r>
-            <a:r>
-              <a:rPr lang="en-US" i="1" dirty="0"/>
-              <a:t> </a:t>
-            </a:r>
-            <a:r>
-              <a:rPr lang="en-US" i="1" dirty="0" err="1"/>
-              <a:t>të</a:t>
-            </a:r>
-            <a:r>
-              <a:rPr lang="en-US" i="1" dirty="0"/>
-              <a:t> </a:t>
-            </a:r>
-            <a:r>
-              <a:rPr lang="en-US" i="1" dirty="0" err="1"/>
-              <a:t>mirë</a:t>
-            </a:r>
-            <a:r>
-              <a:rPr lang="en-US" i="1" dirty="0"/>
-              <a:t>. </a:t>
-            </a:r>
-            <a:r>
-              <a:rPr lang="en-US" i="1" dirty="0" err="1"/>
-              <a:t>Kjo</a:t>
-            </a:r>
-            <a:r>
-              <a:rPr lang="en-US" i="1" dirty="0"/>
-              <a:t> </a:t>
-            </a:r>
-            <a:r>
-              <a:rPr lang="en-US" i="1" dirty="0" err="1"/>
-              <a:t>makinë</a:t>
-            </a:r>
-            <a:r>
-              <a:rPr lang="en-US" i="1" dirty="0"/>
-              <a:t> ka </a:t>
-            </a:r>
-            <a:r>
-              <a:rPr lang="en-US" i="1" dirty="0" err="1"/>
-              <a:t>dy</a:t>
-            </a:r>
-            <a:r>
-              <a:rPr lang="en-US" i="1" dirty="0"/>
-              <a:t> </a:t>
-            </a:r>
-            <a:r>
-              <a:rPr lang="en-US" i="1" dirty="0" err="1"/>
-              <a:t>aksa</a:t>
-            </a:r>
-            <a:r>
-              <a:rPr lang="en-US" i="1" dirty="0"/>
-              <a:t>, X-AXIS </a:t>
-            </a:r>
-            <a:r>
-              <a:rPr lang="en-US" i="1" dirty="0" err="1"/>
-              <a:t>dhe</a:t>
-            </a:r>
-            <a:r>
-              <a:rPr lang="en-US" i="1" dirty="0"/>
-              <a:t> Y-AXIS. </a:t>
-            </a:r>
-            <a:r>
-              <a:rPr lang="en-US" i="1" dirty="0" err="1"/>
-              <a:t>Aksi</a:t>
-            </a:r>
-            <a:r>
-              <a:rPr lang="en-US" i="1" dirty="0"/>
-              <a:t> X </a:t>
-            </a:r>
-            <a:r>
-              <a:rPr lang="en-US" i="1" dirty="0" err="1"/>
-              <a:t>është</a:t>
-            </a:r>
-            <a:r>
-              <a:rPr lang="en-US" i="1" dirty="0"/>
-              <a:t> zona e </a:t>
-            </a:r>
-            <a:r>
-              <a:rPr lang="en-US" i="1" dirty="0" err="1"/>
-              <a:t>vizatimit</a:t>
-            </a:r>
-            <a:r>
-              <a:rPr lang="en-US" i="1" dirty="0"/>
-              <a:t>, </a:t>
-            </a:r>
-            <a:r>
-              <a:rPr lang="en-US" i="1" dirty="0" err="1"/>
-              <a:t>letra</a:t>
-            </a:r>
-            <a:r>
-              <a:rPr lang="en-US" i="1" dirty="0"/>
-              <a:t> </a:t>
-            </a:r>
-            <a:r>
-              <a:rPr lang="en-US" i="1" dirty="0" err="1"/>
-              <a:t>vendoset</a:t>
-            </a:r>
-            <a:r>
-              <a:rPr lang="en-US" i="1" dirty="0"/>
-              <a:t> </a:t>
-            </a:r>
-            <a:r>
-              <a:rPr lang="en-US" i="1" dirty="0" err="1"/>
-              <a:t>në</a:t>
-            </a:r>
-            <a:r>
-              <a:rPr lang="en-US" i="1" dirty="0"/>
-              <a:t> </a:t>
-            </a:r>
-            <a:r>
-              <a:rPr lang="en-US" i="1" dirty="0" err="1"/>
               <a:t>aksin</a:t>
             </a:r>
             <a:r>
               <a:rPr lang="en-US" i="1" dirty="0"/>
-              <a:t> X. </a:t>
-            </a:r>
-            <a:r>
-              <a:rPr lang="en-US" i="1" dirty="0" err="1"/>
-              <a:t>Aksi</a:t>
-            </a:r>
-            <a:r>
-              <a:rPr lang="en-US" i="1" dirty="0"/>
-              <a:t> Y </a:t>
+              <a:t> X. Aksi Y </a:t>
             </a:r>
             <a:r>
               <a:rPr lang="en-US" i="1" dirty="0" err="1"/>
@@ -4927,7 +4890,7 @@
             </a:r>
             <a:r>
               <a:rPr lang="en-US" i="1" dirty="0"/>
-              <a:t>.. </a:t>
+              <a:t>.</a:t>
             </a:r>
           </a:p>
         </p:txBody>
